--- a/一道面试题.pptx
+++ b/一道面试题.pptx
@@ -2506,6 +2506,13 @@
   <p:clrMapOvr>
     <a:masterClrMapping/>
   </p:clrMapOvr>
+  <p:timing>
+    <p:tnLst>
+      <p:par>
+        <p:cTn id="1" dur="indefinite" restart="never" nodeType="tmRoot"/>
+      </p:par>
+    </p:tnLst>
+  </p:timing>
 </p:sld>
 </file>
 
@@ -2612,6 +2619,13 @@
   <p:clrMapOvr>
     <a:masterClrMapping/>
   </p:clrMapOvr>
+  <p:timing>
+    <p:tnLst>
+      <p:par>
+        <p:cTn id="1" dur="indefinite" restart="never" nodeType="tmRoot"/>
+      </p:par>
+    </p:tnLst>
+  </p:timing>
 </p:sld>
 </file>
 
@@ -2758,6 +2772,13 @@
   <p:clrMapOvr>
     <a:masterClrMapping/>
   </p:clrMapOvr>
+  <p:timing>
+    <p:tnLst>
+      <p:par>
+        <p:cTn id="1" dur="indefinite" restart="never" nodeType="tmRoot"/>
+      </p:par>
+    </p:tnLst>
+  </p:timing>
 </p:sld>
 </file>
 
@@ -2863,6 +2884,13 @@
   <p:clrMapOvr>
     <a:masterClrMapping/>
   </p:clrMapOvr>
+  <p:timing>
+    <p:tnLst>
+      <p:par>
+        <p:cTn id="1" dur="indefinite" restart="never" nodeType="tmRoot"/>
+      </p:par>
+    </p:tnLst>
+  </p:timing>
 </p:sld>
 </file>
 
@@ -3001,6 +3029,13 @@
   <p:clrMapOvr>
     <a:masterClrMapping/>
   </p:clrMapOvr>
+  <p:timing>
+    <p:tnLst>
+      <p:par>
+        <p:cTn id="1" dur="indefinite" restart="never" nodeType="tmRoot"/>
+      </p:par>
+    </p:tnLst>
+  </p:timing>
 </p:sld>
 </file>
 
@@ -3050,6 +3085,19 @@
               <a:rPr lang="en-US" altLang="zh-CN" dirty="0" smtClean="0"/>
               <a:t>fiddler</a:t>
             </a:r>
+            <a:r>
+              <a:rPr lang="zh-CN" altLang="en-US" dirty="0" smtClean="0"/>
+              <a:t>（</a:t>
+            </a:r>
+            <a:r>
+              <a:rPr lang="en-US" altLang="zh-CN" smtClean="0"/>
+              <a:t>HTTP</a:t>
+            </a:r>
+            <a:r>
+              <a:rPr lang="zh-CN" altLang="en-US" smtClean="0"/>
+              <a:t>）</a:t>
+            </a:r>
+            <a:endParaRPr lang="en-US" altLang="zh-CN" dirty="0" smtClean="0"/>
           </a:p>
           <a:p>
             <a:r>
@@ -3268,6 +3316,13 @@
   <p:clrMapOvr>
     <a:masterClrMapping/>
   </p:clrMapOvr>
+  <p:timing>
+    <p:tnLst>
+      <p:par>
+        <p:cTn id="1" dur="indefinite" restart="never" nodeType="tmRoot"/>
+      </p:par>
+    </p:tnLst>
+  </p:timing>
 </p:sld>
 </file>
 
@@ -3433,6 +3488,13 @@
   <p:clrMapOvr>
     <a:masterClrMapping/>
   </p:clrMapOvr>
+  <p:timing>
+    <p:tnLst>
+      <p:par>
+        <p:cTn id="1" dur="indefinite" restart="never" nodeType="tmRoot"/>
+      </p:par>
+    </p:tnLst>
+  </p:timing>
 </p:sld>
 </file>
 
@@ -3565,6 +3627,13 @@
   <p:clrMapOvr>
     <a:masterClrMapping/>
   </p:clrMapOvr>
+  <p:timing>
+    <p:tnLst>
+      <p:par>
+        <p:cTn id="1" dur="indefinite" restart="never" nodeType="tmRoot"/>
+      </p:par>
+    </p:tnLst>
+  </p:timing>
 </p:sld>
 </file>
 
@@ -3746,6 +3815,13 @@
   <p:clrMapOvr>
     <a:masterClrMapping/>
   </p:clrMapOvr>
+  <p:timing>
+    <p:tnLst>
+      <p:par>
+        <p:cTn id="1" dur="indefinite" restart="never" nodeType="tmRoot"/>
+      </p:par>
+    </p:tnLst>
+  </p:timing>
 </p:sld>
 </file>
 
@@ -3908,6 +3984,13 @@
   <p:clrMapOvr>
     <a:masterClrMapping/>
   </p:clrMapOvr>
+  <p:timing>
+    <p:tnLst>
+      <p:par>
+        <p:cTn id="1" dur="indefinite" restart="never" nodeType="tmRoot"/>
+      </p:par>
+    </p:tnLst>
+  </p:timing>
 </p:sld>
 </file>
 
@@ -4034,6 +4117,13 @@
   <p:clrMapOvr>
     <a:masterClrMapping/>
   </p:clrMapOvr>
+  <p:timing>
+    <p:tnLst>
+      <p:par>
+        <p:cTn id="1" dur="indefinite" restart="never" nodeType="tmRoot"/>
+      </p:par>
+    </p:tnLst>
+  </p:timing>
 </p:sld>
 </file>
 
@@ -4183,6 +4273,13 @@
   <p:clrMapOvr>
     <a:masterClrMapping/>
   </p:clrMapOvr>
+  <p:timing>
+    <p:tnLst>
+      <p:par>
+        <p:cTn id="1" dur="indefinite" restart="never" nodeType="tmRoot"/>
+      </p:par>
+    </p:tnLst>
+  </p:timing>
 </p:sld>
 </file>
 
@@ -4248,6 +4345,22 @@
               <a:rPr lang="zh-CN" altLang="en-US" dirty="0" smtClean="0"/>
               <a:t>注入</a:t>
             </a:r>
+            <a:r>
+              <a:rPr lang="zh-CN" altLang="en-US" dirty="0" smtClean="0"/>
+              <a:t>（</a:t>
+            </a:r>
+            <a:r>
+              <a:rPr lang="en-US" altLang="zh-CN" dirty="0" err="1" smtClean="0"/>
+              <a:t>XSS</a:t>
+            </a:r>
+            <a:r>
+              <a:rPr lang="zh-CN" altLang="en-US" dirty="0"/>
+              <a:t>注入</a:t>
+            </a:r>
+            <a:r>
+              <a:rPr lang="zh-CN" altLang="en-US" dirty="0" smtClean="0"/>
+              <a:t>）</a:t>
+            </a:r>
             <a:endParaRPr lang="en-US" altLang="zh-CN" dirty="0" smtClean="0"/>
           </a:p>
           <a:p>
@@ -4305,6 +4418,13 @@
   <p:clrMapOvr>
     <a:masterClrMapping/>
   </p:clrMapOvr>
+  <p:timing>
+    <p:tnLst>
+      <p:par>
+        <p:cTn id="1" dur="indefinite" restart="never" nodeType="tmRoot"/>
+      </p:par>
+    </p:tnLst>
+  </p:timing>
 </p:sld>
 </file>
 
@@ -4467,6 +4587,13 @@
   <p:clrMapOvr>
     <a:masterClrMapping/>
   </p:clrMapOvr>
+  <p:timing>
+    <p:tnLst>
+      <p:par>
+        <p:cTn id="1" dur="indefinite" restart="never" nodeType="tmRoot"/>
+      </p:par>
+    </p:tnLst>
+  </p:timing>
 </p:sld>
 </file>
 
